--- a/t2.pptx
+++ b/t2.pptx
@@ -824,8 +824,8 @@
         </p:nvSpPr>
         <p:spPr>
           <a:xfrm>
-            <a:off x="2822650" y="87075"/>
-            <a:ext cx="4158600" cy="910200"/>
+            <a:off x="7900188" y="467450"/>
+            <a:ext cx="478200" cy="487500"/>
           </a:xfrm>
           <a:prstGeom prst="rect">
             <a:avLst/>
@@ -949,8 +949,8 @@
         </p:nvSpPr>
         <p:spPr>
           <a:xfrm>
-            <a:off x="181050" y="1185975"/>
-            <a:ext cx="1672800" cy="910200"/>
+            <a:off x="7257425" y="180875"/>
+            <a:ext cx="406800" cy="393600"/>
           </a:xfrm>
           <a:prstGeom prst="rect">
             <a:avLst/>
@@ -1161,7 +1161,7 @@
               <a:buNone/>
             </a:pPr>
             <a:fld id="{00000000-1234-1234-1234-123412341234}" type="slidenum">
-              <a:rPr lang="en"/>
+              <a:rPr lang="fr"/>
               <a:t>‹#›</a:t>
             </a:fld>
             <a:endParaRPr/>
@@ -1178,8 +1178,8 @@
         </p:nvSpPr>
         <p:spPr>
           <a:xfrm>
-            <a:off x="311700" y="2110775"/>
-            <a:ext cx="1880100" cy="2766000"/>
+            <a:off x="8427900" y="87075"/>
+            <a:ext cx="637800" cy="681300"/>
           </a:xfrm>
           <a:prstGeom prst="rect">
             <a:avLst/>
@@ -1303,8 +1303,8 @@
         </p:nvSpPr>
         <p:spPr>
           <a:xfrm>
-            <a:off x="2569025" y="2110775"/>
-            <a:ext cx="914400" cy="2613600"/>
+            <a:off x="8614350" y="768375"/>
+            <a:ext cx="406800" cy="487500"/>
           </a:xfrm>
           <a:prstGeom prst="rect">
             <a:avLst/>
@@ -1428,8 +1428,8 @@
         </p:nvSpPr>
         <p:spPr>
           <a:xfrm>
-            <a:off x="5308325" y="2049625"/>
-            <a:ext cx="1672800" cy="2613600"/>
+            <a:off x="8665725" y="2162675"/>
+            <a:ext cx="548700" cy="681300"/>
           </a:xfrm>
           <a:prstGeom prst="rect">
             <a:avLst/>
@@ -1553,8 +1553,8 @@
         </p:nvSpPr>
         <p:spPr>
           <a:xfrm>
-            <a:off x="2191800" y="1299000"/>
-            <a:ext cx="1880100" cy="910200"/>
+            <a:off x="8614350" y="3139375"/>
+            <a:ext cx="406800" cy="393600"/>
           </a:xfrm>
           <a:prstGeom prst="rect">
             <a:avLst/>
@@ -1705,8 +1705,8 @@
         </p:nvSpPr>
         <p:spPr>
           <a:xfrm>
-            <a:off x="4475838" y="1299000"/>
-            <a:ext cx="1880100" cy="910200"/>
+            <a:off x="8498842" y="1255875"/>
+            <a:ext cx="637800" cy="611400"/>
           </a:xfrm>
           <a:prstGeom prst="rect">
             <a:avLst/>
@@ -2431,7 +2431,7 @@
               <a:buNone/>
             </a:pPr>
             <a:fld id="{00000000-1234-1234-1234-123412341234}" type="slidenum">
-              <a:rPr lang="en"/>
+              <a:rPr lang="fr"/>
               <a:t>‹#›</a:t>
             </a:fld>
             <a:endParaRPr/>
@@ -3167,8 +3167,8 @@
         </p:nvSpPr>
         <p:spPr>
           <a:xfrm>
-            <a:off x="2822650" y="87075"/>
-            <a:ext cx="4158600" cy="910200"/>
+            <a:off x="6775100" y="128175"/>
+            <a:ext cx="509700" cy="411300"/>
           </a:xfrm>
           <a:prstGeom prst="rect">
             <a:avLst/>
@@ -3176,7 +3176,7 @@
         </p:spPr>
         <p:txBody>
           <a:bodyPr anchorCtr="0" anchor="b" bIns="91425" lIns="91425" spcFirstLastPara="1" rIns="91425" wrap="square" tIns="91425">
-            <a:normAutofit/>
+            <a:normAutofit fontScale="90000"/>
           </a:bodyPr>
           <a:lstStyle/>
           <a:p>
@@ -3190,7 +3190,7 @@
               <a:buNone/>
             </a:pPr>
             <a:r>
-              <a:rPr lang="en"/>
+              <a:rPr lang="fr"/>
               <a:t>T</a:t>
             </a:r>
             <a:endParaRPr/>
@@ -3207,8 +3207,8 @@
         </p:nvSpPr>
         <p:spPr>
           <a:xfrm>
-            <a:off x="181050" y="1185975"/>
-            <a:ext cx="1672800" cy="910200"/>
+            <a:off x="7348375" y="47025"/>
+            <a:ext cx="509700" cy="573600"/>
           </a:xfrm>
           <a:prstGeom prst="rect">
             <a:avLst/>
@@ -3230,7 +3230,7 @@
               <a:buNone/>
             </a:pPr>
             <a:r>
-              <a:rPr lang="en"/>
+              <a:rPr lang="fr"/>
               <a:t>s1</a:t>
             </a:r>
             <a:endParaRPr/>
@@ -3247,8 +3247,8 @@
         </p:nvSpPr>
         <p:spPr>
           <a:xfrm>
-            <a:off x="311700" y="2110775"/>
-            <a:ext cx="1880100" cy="2766000"/>
+            <a:off x="7397725" y="620625"/>
+            <a:ext cx="509700" cy="411300"/>
           </a:xfrm>
           <a:prstGeom prst="rect">
             <a:avLst/>
@@ -3256,7 +3256,7 @@
         </p:spPr>
         <p:txBody>
           <a:bodyPr anchorCtr="0" anchor="t" bIns="91425" lIns="91425" spcFirstLastPara="1" rIns="91425" wrap="square" tIns="91425">
-            <a:normAutofit/>
+            <a:normAutofit fontScale="85000" lnSpcReduction="20000"/>
           </a:bodyPr>
           <a:lstStyle/>
           <a:p>
@@ -3270,7 +3270,7 @@
               <a:buNone/>
             </a:pPr>
             <a:r>
-              <a:rPr lang="en"/>
+              <a:rPr lang="fr"/>
               <a:t>p1</a:t>
             </a:r>
             <a:endParaRPr/>
@@ -3287,8 +3287,8 @@
         </p:nvSpPr>
         <p:spPr>
           <a:xfrm>
-            <a:off x="2569025" y="2110775"/>
-            <a:ext cx="914400" cy="2613600"/>
+            <a:off x="7941925" y="620625"/>
+            <a:ext cx="342000" cy="411300"/>
           </a:xfrm>
           <a:prstGeom prst="rect">
             <a:avLst/>
@@ -3296,7 +3296,7 @@
         </p:spPr>
         <p:txBody>
           <a:bodyPr anchorCtr="0" anchor="t" bIns="91425" lIns="91425" spcFirstLastPara="1" rIns="91425" wrap="square" tIns="91425">
-            <a:normAutofit/>
+            <a:normAutofit fontScale="62500"/>
           </a:bodyPr>
           <a:lstStyle/>
           <a:p>
@@ -3310,7 +3310,7 @@
               <a:buNone/>
             </a:pPr>
             <a:r>
-              <a:rPr lang="en"/>
+              <a:rPr lang="fr"/>
               <a:t>p2</a:t>
             </a:r>
             <a:endParaRPr/>
@@ -3327,8 +3327,8 @@
         </p:nvSpPr>
         <p:spPr>
           <a:xfrm>
-            <a:off x="5308325" y="2049625"/>
-            <a:ext cx="1672800" cy="2613600"/>
+            <a:off x="8478825" y="620625"/>
+            <a:ext cx="342000" cy="411300"/>
           </a:xfrm>
           <a:prstGeom prst="rect">
             <a:avLst/>
@@ -3336,7 +3336,7 @@
         </p:spPr>
         <p:txBody>
           <a:bodyPr anchorCtr="0" anchor="t" bIns="91425" lIns="91425" spcFirstLastPara="1" rIns="91425" wrap="square" tIns="91425">
-            <a:normAutofit/>
+            <a:normAutofit fontScale="62500"/>
           </a:bodyPr>
           <a:lstStyle/>
           <a:p>
@@ -3350,7 +3350,7 @@
               <a:buNone/>
             </a:pPr>
             <a:r>
-              <a:rPr lang="en"/>
+              <a:rPr lang="fr"/>
               <a:t>p3</a:t>
             </a:r>
             <a:endParaRPr/>
@@ -3367,8 +3367,8 @@
         </p:nvSpPr>
         <p:spPr>
           <a:xfrm>
-            <a:off x="2191800" y="1299000"/>
-            <a:ext cx="1880100" cy="910200"/>
+            <a:off x="7858075" y="83925"/>
+            <a:ext cx="509700" cy="499800"/>
           </a:xfrm>
           <a:prstGeom prst="rect">
             <a:avLst/>
@@ -3376,7 +3376,7 @@
         </p:spPr>
         <p:txBody>
           <a:bodyPr anchorCtr="0" anchor="t" bIns="91425" lIns="91425" spcFirstLastPara="1" rIns="91425" wrap="square" tIns="91425">
-            <a:normAutofit/>
+            <a:normAutofit lnSpcReduction="10000"/>
           </a:bodyPr>
           <a:lstStyle/>
           <a:p>
@@ -3390,7 +3390,7 @@
               <a:buNone/>
             </a:pPr>
             <a:r>
-              <a:rPr lang="en"/>
+              <a:rPr lang="fr"/>
               <a:t>s2</a:t>
             </a:r>
             <a:endParaRPr/>
@@ -3407,8 +3407,8 @@
         </p:nvSpPr>
         <p:spPr>
           <a:xfrm>
-            <a:off x="4475838" y="1299000"/>
-            <a:ext cx="1880100" cy="910200"/>
+            <a:off x="8478816" y="128175"/>
+            <a:ext cx="509700" cy="411300"/>
           </a:xfrm>
           <a:prstGeom prst="rect">
             <a:avLst/>
@@ -3416,7 +3416,7 @@
         </p:spPr>
         <p:txBody>
           <a:bodyPr anchorCtr="0" anchor="t" bIns="91425" lIns="91425" spcFirstLastPara="1" rIns="91425" wrap="square" tIns="91425">
-            <a:normAutofit/>
+            <a:normAutofit fontScale="85000" lnSpcReduction="20000"/>
           </a:bodyPr>
           <a:lstStyle/>
           <a:p>
@@ -3430,7 +3430,7 @@
               <a:buNone/>
             </a:pPr>
             <a:r>
-              <a:rPr lang="en"/>
+              <a:rPr lang="fr"/>
               <a:t>s3</a:t>
             </a:r>
             <a:endParaRPr/>
